--- a/requirements/Event Masking Latent Models.pptx
+++ b/requirements/Event Masking Latent Models.pptx
@@ -203,7 +203,7 @@
           <a:p>
             <a:fld id="{A0C1F70C-5BF6-43D2-96A0-6511110BD68E}" type="datetimeFigureOut">
               <a:rPr lang="en-US" smtClean="0"/>
-              <a:t>11/11/2021</a:t>
+              <a:t>11/15/2021</a:t>
             </a:fld>
             <a:endParaRPr lang="en-US"/>
           </a:p>
@@ -2365,7 +2365,7 @@
           <a:p>
             <a:fld id="{D56A5F13-4F86-5646-9B99-A42325757066}" type="datetime1">
               <a:rPr lang="en-US" smtClean="0"/>
-              <a:t>11/11/2021</a:t>
+              <a:t>11/15/2021</a:t>
             </a:fld>
             <a:endParaRPr lang="en-US"/>
           </a:p>
@@ -2654,7 +2654,7 @@
           <a:p>
             <a:fld id="{34C8E77E-B710-C741-B9C3-BDFAF2BD28F5}" type="datetime1">
               <a:rPr lang="en-US" smtClean="0"/>
-              <a:t>11/11/2021</a:t>
+              <a:t>11/15/2021</a:t>
             </a:fld>
             <a:endParaRPr lang="en-US"/>
           </a:p>
@@ -2943,7 +2943,7 @@
           <a:p>
             <a:fld id="{3CC70E32-BC87-A748-B8DC-BBE1A8E155BB}" type="datetime1">
               <a:rPr lang="en-US" smtClean="0"/>
-              <a:t>11/11/2021</a:t>
+              <a:t>11/15/2021</a:t>
             </a:fld>
             <a:endParaRPr lang="en-US"/>
           </a:p>
@@ -3232,7 +3232,7 @@
           <a:p>
             <a:fld id="{FF80D806-2732-D74C-AA54-685EF616F24A}" type="datetime1">
               <a:rPr lang="en-US" smtClean="0"/>
-              <a:t>11/11/2021</a:t>
+              <a:t>11/15/2021</a:t>
             </a:fld>
             <a:endParaRPr lang="en-US"/>
           </a:p>
@@ -3469,7 +3469,7 @@
           <a:p>
             <a:fld id="{7EE62EE2-D39B-DB40-8504-5F31AB3A7B1B}" type="datetime1">
               <a:rPr lang="en-US" smtClean="0"/>
-              <a:t>11/11/2021</a:t>
+              <a:t>11/15/2021</a:t>
             </a:fld>
             <a:endParaRPr lang="en-US"/>
           </a:p>
@@ -3926,7 +3926,7 @@
           <a:p>
             <a:fld id="{F2C6AE98-BAC0-8443-BBA0-C97A4F30D31A}" type="datetime1">
               <a:rPr lang="en-US" smtClean="0"/>
-              <a:t>11/11/2021</a:t>
+              <a:t>11/15/2021</a:t>
             </a:fld>
             <a:endParaRPr lang="en-US"/>
           </a:p>
@@ -4194,7 +4194,7 @@
           <a:p>
             <a:fld id="{88DBBF51-3929-3A49-BA7D-3AF73092A0AD}" type="datetime1">
               <a:rPr lang="en-US" smtClean="0"/>
-              <a:t>11/11/2021</a:t>
+              <a:t>11/15/2021</a:t>
             </a:fld>
             <a:endParaRPr lang="en-US"/>
           </a:p>
@@ -4392,7 +4392,7 @@
           <a:p>
             <a:fld id="{36C5C674-12AF-41F5-BDE5-1132B29F8CB8}" type="datetime1">
               <a:rPr lang="en-US" smtClean="0"/>
-              <a:t>11/11/2021</a:t>
+              <a:t>11/15/2021</a:t>
             </a:fld>
             <a:endParaRPr lang="en-US"/>
           </a:p>
@@ -6765,7 +6765,7 @@
           <a:p>
             <a:fld id="{3D457031-A04F-0040-B79E-439CA9E02781}" type="datetime1">
               <a:rPr lang="en-US" smtClean="0"/>
-              <a:t>11/11/2021</a:t>
+              <a:t>11/15/2021</a:t>
             </a:fld>
             <a:endParaRPr lang="en-US"/>
           </a:p>
@@ -7015,7 +7015,7 @@
           <a:p>
             <a:fld id="{641269E8-56DE-E044-B0E5-B498755A2633}" type="datetime1">
               <a:rPr lang="en-US" smtClean="0"/>
-              <a:t>11/11/2021</a:t>
+              <a:t>11/15/2021</a:t>
             </a:fld>
             <a:endParaRPr lang="en-US"/>
           </a:p>
@@ -7401,7 +7401,7 @@
           <a:p>
             <a:fld id="{219B2A40-E9E6-7E49-9EE5-F8C2FAB652F4}" type="datetime1">
               <a:rPr lang="en-US" smtClean="0"/>
-              <a:t>11/11/2021</a:t>
+              <a:t>11/15/2021</a:t>
             </a:fld>
             <a:endParaRPr lang="en-US"/>
           </a:p>
@@ -7661,7 +7661,7 @@
           <a:p>
             <a:fld id="{08D12B45-3253-4A45-B8F9-2E00FEB0C480}" type="datetime1">
               <a:rPr lang="en-US" smtClean="0"/>
-              <a:t>11/11/2021</a:t>
+              <a:t>11/15/2021</a:t>
             </a:fld>
             <a:endParaRPr lang="en-US"/>
           </a:p>
@@ -23990,8 +23990,8 @@
           </p:sp>
         </mc:Fallback>
       </mc:AlternateContent>
-      <mc:AlternateContent xmlns:mc="http://schemas.openxmlformats.org/markup-compatibility/2006" xmlns:a14="http://schemas.microsoft.com/office/drawing/2010/main">
-        <mc:Choice Requires="a14">
+      <mc:AlternateContent xmlns:mc="http://schemas.openxmlformats.org/markup-compatibility/2006">
+        <mc:Choice xmlns:a14="http://schemas.microsoft.com/office/drawing/2010/main" Requires="a14">
           <p:sp>
             <p:nvSpPr>
               <p:cNvPr id="26" name="TextBox 25">
@@ -24006,7 +24006,7 @@
             </p:nvSpPr>
             <p:spPr bwMode="gray">
               <a:xfrm>
-                <a:off x="5716993" y="5416843"/>
+                <a:off x="5325408" y="5416843"/>
                 <a:ext cx="2014588" cy="1108404"/>
               </a:xfrm>
               <a:prstGeom prst="rect">
@@ -24137,7 +24137,7 @@
             </p:txBody>
           </p:sp>
         </mc:Choice>
-        <mc:Fallback xmlns="">
+        <mc:Fallback>
           <p:sp>
             <p:nvSpPr>
               <p:cNvPr id="26" name="TextBox 25">
@@ -24154,7 +24154,7 @@
             </p:nvSpPr>
             <p:spPr bwMode="gray">
               <a:xfrm>
-                <a:off x="5716993" y="5416843"/>
+                <a:off x="5325408" y="5416843"/>
                 <a:ext cx="2014588" cy="1108404"/>
               </a:xfrm>
               <a:prstGeom prst="rect">
@@ -28734,7 +28734,7 @@
         </p:nvCxnSpPr>
         <p:spPr bwMode="gray">
           <a:xfrm rot="10800000">
-            <a:off x="6381102" y="6225624"/>
+            <a:off x="6003427" y="6278579"/>
             <a:ext cx="543927" cy="1"/>
           </a:xfrm>
           <a:prstGeom prst="bentConnector3">
@@ -32244,6 +32244,170 @@
           </a:fontRef>
         </p:style>
       </p:cxnSp>
+      <mc:AlternateContent xmlns:mc="http://schemas.openxmlformats.org/markup-compatibility/2006">
+        <mc:Choice xmlns:a14="http://schemas.microsoft.com/office/drawing/2010/main" Requires="a14">
+          <p:sp>
+            <p:nvSpPr>
+              <p:cNvPr id="110" name="TextBox 109">
+                <a:extLst>
+                  <a:ext uri="{FF2B5EF4-FFF2-40B4-BE49-F238E27FC236}">
+                    <a16:creationId xmlns:a16="http://schemas.microsoft.com/office/drawing/2014/main" id="{530B415C-A4DD-42A7-9B04-847C89363299}"/>
+                  </a:ext>
+                </a:extLst>
+              </p:cNvPr>
+              <p:cNvSpPr txBox="1"/>
+              <p:nvPr/>
+            </p:nvSpPr>
+            <p:spPr bwMode="gray">
+              <a:xfrm>
+                <a:off x="3290536" y="107891"/>
+                <a:ext cx="6568142" cy="738664"/>
+              </a:xfrm>
+              <a:prstGeom prst="rect">
+                <a:avLst/>
+              </a:prstGeom>
+              <a:noFill/>
+            </p:spPr>
+            <p:txBody>
+              <a:bodyPr wrap="square">
+                <a:spAutoFit/>
+              </a:bodyPr>
+              <a:lstStyle/>
+              <a:p>
+                <a:pPr lvl="2"/>
+                <a:r>
+                  <a:rPr lang="en-US" sz="1400" dirty="0"/>
+                  <a:t>operational (no failure/not infected): </a:t>
+                </a:r>
+                <a14:m>
+                  <m:oMath xmlns:m="http://schemas.openxmlformats.org/officeDocument/2006/math">
+                    <m:r>
+                      <a:rPr lang="en-US" sz="1400" i="1" dirty="0" smtClean="0">
+                        <a:latin typeface="Cambria Math" panose="02040503050406030204" pitchFamily="18" charset="0"/>
+                      </a:rPr>
+                      <m:t>𝑆𝑜</m:t>
+                    </m:r>
+                  </m:oMath>
+                </a14:m>
+                <a:r>
+                  <a:rPr lang="en-US" sz="1400" dirty="0"/>
+                  <a:t>  in </a:t>
+                </a:r>
+                <a:r>
+                  <a:rPr lang="en-US" sz="1400" dirty="0" err="1"/>
+                  <a:t>mRubis</a:t>
+                </a:r>
+                <a:r>
+                  <a:rPr lang="en-US" sz="1400" dirty="0"/>
+                  <a:t> = CF0)</a:t>
+                </a:r>
+              </a:p>
+              <a:p>
+                <a:pPr lvl="2"/>
+                <a:r>
+                  <a:rPr lang="en-US" sz="1400" dirty="0"/>
+                  <a:t>degraded (performance): </a:t>
+                </a:r>
+                <a14:m>
+                  <m:oMath xmlns:m="http://schemas.openxmlformats.org/officeDocument/2006/math">
+                    <m:r>
+                      <a:rPr lang="en-US" sz="1400" b="0" i="1" smtClean="0">
+                        <a:latin typeface="Cambria Math" panose="02040503050406030204" pitchFamily="18" charset="0"/>
+                      </a:rPr>
+                      <m:t>𝑆𝑑</m:t>
+                    </m:r>
+                  </m:oMath>
+                </a14:m>
+                <a:r>
+                  <a:rPr lang="en-US" sz="1400" dirty="0"/>
+                  <a:t> (in </a:t>
+                </a:r>
+                <a:r>
+                  <a:rPr lang="en-US" sz="1400" dirty="0" err="1"/>
+                  <a:t>mRubis</a:t>
+                </a:r>
+                <a:r>
+                  <a:rPr lang="en-US" sz="1400" dirty="0"/>
+                  <a:t> == CF5)</a:t>
+                </a:r>
+              </a:p>
+              <a:p>
+                <a:pPr lvl="2"/>
+                <a:r>
+                  <a:rPr lang="en-US" sz="1400" dirty="0"/>
+                  <a:t>unresponsive (disabled): </a:t>
+                </a:r>
+                <a14:m>
+                  <m:oMath xmlns:m="http://schemas.openxmlformats.org/officeDocument/2006/math">
+                    <m:r>
+                      <a:rPr lang="en-US" sz="1400" b="0" i="1" smtClean="0">
+                        <a:latin typeface="Cambria Math" panose="02040503050406030204" pitchFamily="18" charset="0"/>
+                      </a:rPr>
+                      <m:t>𝑆𝑢</m:t>
+                    </m:r>
+                  </m:oMath>
+                </a14:m>
+                <a:r>
+                  <a:rPr lang="en-US" sz="1400" dirty="0"/>
+                  <a:t> (in </a:t>
+                </a:r>
+                <a:r>
+                  <a:rPr lang="en-US" sz="1400" dirty="0" err="1"/>
+                  <a:t>mRubis</a:t>
+                </a:r>
+                <a:r>
+                  <a:rPr lang="en-US" sz="1400" dirty="0"/>
+                  <a:t> = CF1, CF2, CF3)</a:t>
+                </a:r>
+              </a:p>
+            </p:txBody>
+          </p:sp>
+        </mc:Choice>
+        <mc:Fallback>
+          <p:sp>
+            <p:nvSpPr>
+              <p:cNvPr id="110" name="TextBox 109">
+                <a:extLst>
+                  <a:ext uri="{FF2B5EF4-FFF2-40B4-BE49-F238E27FC236}">
+                    <a16:creationId xmlns:a16="http://schemas.microsoft.com/office/drawing/2014/main" id="{530B415C-A4DD-42A7-9B04-847C89363299}"/>
+                  </a:ext>
+                </a:extLst>
+              </p:cNvPr>
+              <p:cNvSpPr txBox="1">
+                <a:spLocks noRot="1" noChangeAspect="1" noMove="1" noResize="1" noEditPoints="1" noAdjustHandles="1" noChangeArrowheads="1" noChangeShapeType="1" noTextEdit="1"/>
+              </p:cNvSpPr>
+              <p:nvPr/>
+            </p:nvSpPr>
+            <p:spPr bwMode="gray">
+              <a:xfrm>
+                <a:off x="3290536" y="107891"/>
+                <a:ext cx="6568142" cy="738664"/>
+              </a:xfrm>
+              <a:prstGeom prst="rect">
+                <a:avLst/>
+              </a:prstGeom>
+              <a:blipFill>
+                <a:blip r:embed="rId37"/>
+                <a:stretch>
+                  <a:fillRect t="-1653" b="-7438"/>
+                </a:stretch>
+              </a:blipFill>
+            </p:spPr>
+            <p:txBody>
+              <a:bodyPr/>
+              <a:lstStyle/>
+              <a:p>
+                <a:r>
+                  <a:rPr lang="en-US">
+                    <a:noFill/>
+                  </a:rPr>
+                  <a:t> </a:t>
+                </a:r>
+              </a:p>
+            </p:txBody>
+          </p:sp>
+        </mc:Fallback>
+      </mc:AlternateContent>
     </p:spTree>
     <p:extLst>
       <p:ext uri="{BB962C8B-B14F-4D97-AF65-F5344CB8AC3E}">
